--- a/lectures3/Pythonlearn-16-Data-Viz-PL.pptx
+++ b/lectures3/Pythonlearn-16-Data-Viz-PL.pptx
@@ -574,7 +574,7 @@
               <a:buNone/>
             </a:pPr>
             <a:r>
-              <a:rPr lang="pl" sz="1100" b="0" i="0" u="none" strike="noStrike" cap="none" baseline="0">
+              <a:rPr lang="pl-PL" sz="1100" b="0" i="0" u="none" strike="noStrike" cap="none" baseline="0">
                 <a:solidFill>
                   <a:schemeClr val="dk2"/>
                 </a:solidFill>
@@ -583,7 +583,7 @@
                 <a:cs typeface="Arial"/>
                 <a:sym typeface="Arial"/>
               </a:rPr>
-              <a:t>Notka od Chucka  Używając tych materiałów masz prawo usunąć logo UM i zastąpić je własnym ale zostaw proszę logo CC-BY na pierwszej stronie oraz strony z podziękowaniami dla współtwórców.</a:t>
+              <a:t>Notka od Chucka: używając tych materiałów masz prawo usunąć logo UM i zastąpić je własnym, ale zostaw proszę logo CC-BY na pierwszej stronie oraz strony z podziękowaniami dla współtwórców.</a:t>
             </a:r>
             <a:endParaRPr lang="pl" sz="1100" b="0" i="0" u="none" strike="noStrike" cap="none" dirty="0">
               <a:solidFill>
@@ -12663,7 +12663,7 @@
               <a:buNone/>
             </a:pPr>
             <a:r>
-              <a:rPr lang="pl" sz="2300" b="0" i="0" u="none" strike="noStrike" cap="none" baseline="30000" dirty="0">
+              <a:rPr lang="pl-PL" sz="2300" b="0" i="0" u="none" strike="noStrike" cap="none" baseline="30000" dirty="0">
                 <a:solidFill>
                   <a:srgbClr val="FFFF00"/>
                 </a:solidFill>
@@ -12673,7 +12673,7 @@
                 <a:sym typeface="Helvetica Neue"/>
                 <a:hlinkClick r:id="rId6"/>
               </a:rPr>
-              <a:t>http://www.py4e.com/code3/geodata.zip</a:t>
+              <a:t>https://py4e.pl/code3/geodata.zip</a:t>
             </a:r>
             <a:r>
               <a:rPr lang="en-US" sz="2300" b="0" i="0" u="none" strike="noStrike" cap="none" baseline="30000" dirty="0">
